--- a/sem4/AKMS/пр7_през_Руденко_ИКБО-13-22.pptx
+++ b/sem4/AKMS/пр7_през_Руденко_ИКБО-13-22.pptx
@@ -5,14 +5,13 @@
     <p:sldMasterId id="2147483690" r:id="rId1"/>
   </p:sldMasterIdLst>
   <p:notesMasterIdLst>
-    <p:notesMasterId r:id="rId7"/>
+    <p:notesMasterId r:id="rId6"/>
   </p:notesMasterIdLst>
   <p:sldIdLst>
     <p:sldId id="256" r:id="rId2"/>
     <p:sldId id="259" r:id="rId3"/>
     <p:sldId id="266" r:id="rId4"/>
     <p:sldId id="269" r:id="rId5"/>
-    <p:sldId id="274" r:id="rId6"/>
   </p:sldIdLst>
   <p:sldSz cx="12192000" cy="6858000"/>
   <p:notesSz cx="6858000" cy="9144000"/>
@@ -8505,7 +8504,7 @@
                 <a:latin typeface="Times New Roman" panose="02020603050405020304" pitchFamily="18" charset="0"/>
                 <a:cs typeface="Times New Roman" panose="02020603050405020304" pitchFamily="18" charset="0"/>
               </a:rPr>
-              <a:t>Бадинов Бадма Евгеньевич</a:t>
+              <a:t>Руденко Алексей Дмитриевич</a:t>
             </a:r>
             <a:endParaRPr lang="uk-UA" dirty="0">
               <a:latin typeface="Times New Roman" panose="02020603050405020304" pitchFamily="18" charset="0"/>
@@ -8759,8 +8758,8 @@
         </p:nvGrpSpPr>
         <p:grpSpPr>
           <a:xfrm>
-            <a:off x="680320" y="3035218"/>
-            <a:ext cx="7665792" cy="2172131"/>
+            <a:off x="680320" y="3035217"/>
+            <a:ext cx="7665792" cy="2172130"/>
             <a:chOff x="6372542" y="1641124"/>
             <a:chExt cx="2028215" cy="1599703"/>
           </a:xfrm>
@@ -8857,7 +8856,24 @@
                   <a:ea typeface="Droid Sans Fallback"/>
                   <a:cs typeface="FreeSans"/>
                 </a:rPr>
-                <a:t> №2 «Моделирование организации продаж подержанных автомобилей в автосалоне»</a:t>
+                <a:t> №26 «Моделирование организации продажи билето</a:t>
+              </a:r>
+              <a:r>
+                <a:rPr lang="ru-RU" sz="1800" kern="100" dirty="0">
+                  <a:latin typeface="Times New Roman" panose="02020603050405020304" pitchFamily="18" charset="0"/>
+                  <a:ea typeface="Droid Sans Fallback"/>
+                  <a:cs typeface="FreeSans"/>
+                </a:rPr>
+                <a:t>в в кинотеатре</a:t>
+              </a:r>
+              <a:r>
+                <a:rPr lang="ru-RU" sz="1800" kern="100" dirty="0">
+                  <a:effectLst/>
+                  <a:latin typeface="Times New Roman" panose="02020603050405020304" pitchFamily="18" charset="0"/>
+                  <a:ea typeface="Droid Sans Fallback"/>
+                  <a:cs typeface="FreeSans"/>
+                </a:rPr>
+                <a:t>»</a:t>
               </a:r>
             </a:p>
           </p:txBody>
@@ -9204,10 +9220,10 @@
       </p:sp>
       <p:pic>
         <p:nvPicPr>
-          <p:cNvPr id="5" name="Picture 4">
+          <p:cNvPr id="4" name="Рисунок 3">
             <a:extLst>
               <a:ext uri="{FF2B5EF4-FFF2-40B4-BE49-F238E27FC236}">
-                <a16:creationId xmlns:a16="http://schemas.microsoft.com/office/drawing/2014/main" id="{4355F1D0-138E-4AEA-A2C6-54563980E1E4}"/>
+                <a16:creationId xmlns:a16="http://schemas.microsoft.com/office/drawing/2014/main" id="{8E1F2A17-42C2-480C-9EF8-EE84670A7A18}"/>
               </a:ext>
             </a:extLst>
           </p:cNvPr>
@@ -9218,13 +9234,14 @@
         </p:nvPicPr>
         <p:blipFill>
           <a:blip r:embed="rId3"/>
-          <a:srcRect/>
-          <a:stretch/>
+          <a:stretch>
+            <a:fillRect/>
+          </a:stretch>
         </p:blipFill>
         <p:spPr>
           <a:xfrm>
-            <a:off x="740264" y="2050266"/>
-            <a:ext cx="5208252" cy="4448485"/>
+            <a:off x="1898453" y="1796686"/>
+            <a:ext cx="5014823" cy="4547827"/>
           </a:xfrm>
           <a:prstGeom prst="rect">
             <a:avLst/>
@@ -9348,84 +9365,6 @@
   <p:clrMapOvr>
     <a:masterClrMapping/>
   </p:clrMapOvr>
-</p:sld>
-</file>
-
-<file path=ppt/slides/slide5.xml><?xml version="1.0" encoding="utf-8"?>
-<p:sld xmlns:a="http://schemas.openxmlformats.org/drawingml/2006/main" xmlns:r="http://schemas.openxmlformats.org/officeDocument/2006/relationships" xmlns:p="http://schemas.openxmlformats.org/presentationml/2006/main">
-  <p:cSld>
-    <p:spTree>
-      <p:nvGrpSpPr>
-        <p:cNvPr id="1" name=""/>
-        <p:cNvGrpSpPr/>
-        <p:nvPr/>
-      </p:nvGrpSpPr>
-      <p:grpSpPr>
-        <a:xfrm>
-          <a:off x="0" y="0"/>
-          <a:ext cx="0" cy="0"/>
-          <a:chOff x="0" y="0"/>
-          <a:chExt cx="0" cy="0"/>
-        </a:xfrm>
-      </p:grpSpPr>
-      <p:sp>
-        <p:nvSpPr>
-          <p:cNvPr id="2" name="Title 1">
-            <a:extLst>
-              <a:ext uri="{FF2B5EF4-FFF2-40B4-BE49-F238E27FC236}">
-                <a16:creationId xmlns:a16="http://schemas.microsoft.com/office/drawing/2014/main" id="{6AE486C8-2F75-4DF3-89B8-E29FAF91F6E0}"/>
-              </a:ext>
-            </a:extLst>
-          </p:cNvPr>
-          <p:cNvSpPr>
-            <a:spLocks noGrp="1"/>
-          </p:cNvSpPr>
-          <p:nvPr>
-            <p:ph type="ctrTitle"/>
-          </p:nvPr>
-        </p:nvSpPr>
-        <p:spPr>
-          <a:xfrm>
-            <a:off x="4955457" y="2934023"/>
-            <a:ext cx="3770675" cy="989953"/>
-          </a:xfrm>
-        </p:spPr>
-        <p:txBody>
-          <a:bodyPr>
-            <a:normAutofit/>
-          </a:bodyPr>
-          <a:lstStyle/>
-          <a:p>
-            <a:r>
-              <a:rPr lang="en-US" sz="6000" dirty="0"/>
-              <a:t>THE END.</a:t>
-            </a:r>
-            <a:endParaRPr lang="ru-RU" sz="6000" dirty="0"/>
-          </a:p>
-        </p:txBody>
-      </p:sp>
-    </p:spTree>
-    <p:extLst>
-      <p:ext uri="{BB962C8B-B14F-4D97-AF65-F5344CB8AC3E}">
-        <p14:creationId xmlns:p14="http://schemas.microsoft.com/office/powerpoint/2010/main" val="2282662046"/>
-      </p:ext>
-    </p:extLst>
-  </p:cSld>
-  <p:clrMapOvr>
-    <a:masterClrMapping/>
-  </p:clrMapOvr>
-  <mc:AlternateContent xmlns:mc="http://schemas.openxmlformats.org/markup-compatibility/2006" xmlns:p14="http://schemas.microsoft.com/office/powerpoint/2010/main">
-    <mc:Choice Requires="p14">
-      <p:transition spd="slow" p14:dur="3400">
-        <p14:reveal/>
-      </p:transition>
-    </mc:Choice>
-    <mc:Fallback xmlns="">
-      <p:transition spd="slow">
-        <p:fade/>
-      </p:transition>
-    </mc:Fallback>
-  </mc:AlternateContent>
 </p:sld>
 </file>
 
